--- a/grep.pptx
+++ b/grep.pptx
@@ -265,7 +265,7 @@
           <a:p>
             <a:fld id="{BC6C7FB4-CB87-4969-9F31-8C66DD97C1F5}" type="datetimeFigureOut">
               <a:rPr lang="en-IN" smtClean="0"/>
-              <a:t>04-02-2021</a:t>
+              <a:t>06-02-2021</a:t>
             </a:fld>
             <a:endParaRPr lang="en-IN"/>
           </a:p>
@@ -465,7 +465,7 @@
           <a:p>
             <a:fld id="{BC6C7FB4-CB87-4969-9F31-8C66DD97C1F5}" type="datetimeFigureOut">
               <a:rPr lang="en-IN" smtClean="0"/>
-              <a:t>04-02-2021</a:t>
+              <a:t>06-02-2021</a:t>
             </a:fld>
             <a:endParaRPr lang="en-IN"/>
           </a:p>
@@ -675,7 +675,7 @@
           <a:p>
             <a:fld id="{BC6C7FB4-CB87-4969-9F31-8C66DD97C1F5}" type="datetimeFigureOut">
               <a:rPr lang="en-IN" smtClean="0"/>
-              <a:t>04-02-2021</a:t>
+              <a:t>06-02-2021</a:t>
             </a:fld>
             <a:endParaRPr lang="en-IN"/>
           </a:p>
@@ -875,7 +875,7 @@
           <a:p>
             <a:fld id="{BC6C7FB4-CB87-4969-9F31-8C66DD97C1F5}" type="datetimeFigureOut">
               <a:rPr lang="en-IN" smtClean="0"/>
-              <a:t>04-02-2021</a:t>
+              <a:t>06-02-2021</a:t>
             </a:fld>
             <a:endParaRPr lang="en-IN"/>
           </a:p>
@@ -1151,7 +1151,7 @@
           <a:p>
             <a:fld id="{BC6C7FB4-CB87-4969-9F31-8C66DD97C1F5}" type="datetimeFigureOut">
               <a:rPr lang="en-IN" smtClean="0"/>
-              <a:t>04-02-2021</a:t>
+              <a:t>06-02-2021</a:t>
             </a:fld>
             <a:endParaRPr lang="en-IN"/>
           </a:p>
@@ -1419,7 +1419,7 @@
           <a:p>
             <a:fld id="{BC6C7FB4-CB87-4969-9F31-8C66DD97C1F5}" type="datetimeFigureOut">
               <a:rPr lang="en-IN" smtClean="0"/>
-              <a:t>04-02-2021</a:t>
+              <a:t>06-02-2021</a:t>
             </a:fld>
             <a:endParaRPr lang="en-IN"/>
           </a:p>
@@ -1834,7 +1834,7 @@
           <a:p>
             <a:fld id="{BC6C7FB4-CB87-4969-9F31-8C66DD97C1F5}" type="datetimeFigureOut">
               <a:rPr lang="en-IN" smtClean="0"/>
-              <a:t>04-02-2021</a:t>
+              <a:t>06-02-2021</a:t>
             </a:fld>
             <a:endParaRPr lang="en-IN"/>
           </a:p>
@@ -1976,7 +1976,7 @@
           <a:p>
             <a:fld id="{BC6C7FB4-CB87-4969-9F31-8C66DD97C1F5}" type="datetimeFigureOut">
               <a:rPr lang="en-IN" smtClean="0"/>
-              <a:t>04-02-2021</a:t>
+              <a:t>06-02-2021</a:t>
             </a:fld>
             <a:endParaRPr lang="en-IN"/>
           </a:p>
@@ -2089,7 +2089,7 @@
           <a:p>
             <a:fld id="{BC6C7FB4-CB87-4969-9F31-8C66DD97C1F5}" type="datetimeFigureOut">
               <a:rPr lang="en-IN" smtClean="0"/>
-              <a:t>04-02-2021</a:t>
+              <a:t>06-02-2021</a:t>
             </a:fld>
             <a:endParaRPr lang="en-IN"/>
           </a:p>
@@ -2402,7 +2402,7 @@
           <a:p>
             <a:fld id="{BC6C7FB4-CB87-4969-9F31-8C66DD97C1F5}" type="datetimeFigureOut">
               <a:rPr lang="en-IN" smtClean="0"/>
-              <a:t>04-02-2021</a:t>
+              <a:t>06-02-2021</a:t>
             </a:fld>
             <a:endParaRPr lang="en-IN"/>
           </a:p>
@@ -2691,7 +2691,7 @@
           <a:p>
             <a:fld id="{BC6C7FB4-CB87-4969-9F31-8C66DD97C1F5}" type="datetimeFigureOut">
               <a:rPr lang="en-IN" smtClean="0"/>
-              <a:t>04-02-2021</a:t>
+              <a:t>06-02-2021</a:t>
             </a:fld>
             <a:endParaRPr lang="en-IN"/>
           </a:p>
@@ -2934,7 +2934,7 @@
           <a:p>
             <a:fld id="{BC6C7FB4-CB87-4969-9F31-8C66DD97C1F5}" type="datetimeFigureOut">
               <a:rPr lang="en-IN" smtClean="0"/>
-              <a:t>04-02-2021</a:t>
+              <a:t>06-02-2021</a:t>
             </a:fld>
             <a:endParaRPr lang="en-IN"/>
           </a:p>
@@ -3877,7 +3877,12 @@
             <p:ph type="title"/>
           </p:nvPr>
         </p:nvSpPr>
-        <p:spPr/>
+        <p:spPr>
+          <a:xfrm>
+            <a:off x="838200" y="365126"/>
+            <a:ext cx="10515600" cy="886626"/>
+          </a:xfrm>
+        </p:spPr>
         <p:txBody>
           <a:bodyPr/>
           <a:lstStyle/>
@@ -3906,10 +3911,15 @@
             <p:ph idx="1"/>
           </p:nvPr>
         </p:nvSpPr>
-        <p:spPr/>
+        <p:spPr>
+          <a:xfrm>
+            <a:off x="284085" y="1251752"/>
+            <a:ext cx="11069715" cy="4925211"/>
+          </a:xfrm>
+        </p:spPr>
         <p:txBody>
           <a:bodyPr>
-            <a:normAutofit lnSpcReduction="10000"/>
+            <a:normAutofit fontScale="92500" lnSpcReduction="20000"/>
           </a:bodyPr>
           <a:lstStyle/>
           <a:p>
@@ -3933,6 +3943,12 @@
           <a:p>
             <a:r>
               <a:rPr lang="en-US" dirty="0"/>
+              <a:t>./grep –E –E –E …. However, is allowed</a:t>
+            </a:r>
+          </a:p>
+          <a:p>
+            <a:r>
+              <a:rPr lang="en-US" dirty="0"/>
               <a:t>Example of difference between Basic and Extended Regexp:</a:t>
             </a:r>
           </a:p>
@@ -3965,6 +3981,18 @@
             <a:r>
               <a:rPr lang="en-US" dirty="0"/>
               <a:t>./grep “PATTERN” –G “STRING” or ./grep “PATTERN” “STRING” –E</a:t>
+            </a:r>
+          </a:p>
+          <a:p>
+            <a:r>
+              <a:rPr lang="en-US" dirty="0"/>
+              <a:t>-i,--ignore-case</a:t>
+            </a:r>
+          </a:p>
+          <a:p>
+            <a:r>
+              <a:rPr lang="en-US" dirty="0"/>
+              <a:t>--no-ignore-case</a:t>
             </a:r>
           </a:p>
         </p:txBody>

--- a/grep.pptx
+++ b/grep.pptx
@@ -265,7 +265,7 @@
           <a:p>
             <a:fld id="{BC6C7FB4-CB87-4969-9F31-8C66DD97C1F5}" type="datetimeFigureOut">
               <a:rPr lang="en-IN" smtClean="0"/>
-              <a:t>06-02-2021</a:t>
+              <a:t>09-02-2021</a:t>
             </a:fld>
             <a:endParaRPr lang="en-IN"/>
           </a:p>
@@ -465,7 +465,7 @@
           <a:p>
             <a:fld id="{BC6C7FB4-CB87-4969-9F31-8C66DD97C1F5}" type="datetimeFigureOut">
               <a:rPr lang="en-IN" smtClean="0"/>
-              <a:t>06-02-2021</a:t>
+              <a:t>09-02-2021</a:t>
             </a:fld>
             <a:endParaRPr lang="en-IN"/>
           </a:p>
@@ -675,7 +675,7 @@
           <a:p>
             <a:fld id="{BC6C7FB4-CB87-4969-9F31-8C66DD97C1F5}" type="datetimeFigureOut">
               <a:rPr lang="en-IN" smtClean="0"/>
-              <a:t>06-02-2021</a:t>
+              <a:t>09-02-2021</a:t>
             </a:fld>
             <a:endParaRPr lang="en-IN"/>
           </a:p>
@@ -875,7 +875,7 @@
           <a:p>
             <a:fld id="{BC6C7FB4-CB87-4969-9F31-8C66DD97C1F5}" type="datetimeFigureOut">
               <a:rPr lang="en-IN" smtClean="0"/>
-              <a:t>06-02-2021</a:t>
+              <a:t>09-02-2021</a:t>
             </a:fld>
             <a:endParaRPr lang="en-IN"/>
           </a:p>
@@ -1151,7 +1151,7 @@
           <a:p>
             <a:fld id="{BC6C7FB4-CB87-4969-9F31-8C66DD97C1F5}" type="datetimeFigureOut">
               <a:rPr lang="en-IN" smtClean="0"/>
-              <a:t>06-02-2021</a:t>
+              <a:t>09-02-2021</a:t>
             </a:fld>
             <a:endParaRPr lang="en-IN"/>
           </a:p>
@@ -1419,7 +1419,7 @@
           <a:p>
             <a:fld id="{BC6C7FB4-CB87-4969-9F31-8C66DD97C1F5}" type="datetimeFigureOut">
               <a:rPr lang="en-IN" smtClean="0"/>
-              <a:t>06-02-2021</a:t>
+              <a:t>09-02-2021</a:t>
             </a:fld>
             <a:endParaRPr lang="en-IN"/>
           </a:p>
@@ -1834,7 +1834,7 @@
           <a:p>
             <a:fld id="{BC6C7FB4-CB87-4969-9F31-8C66DD97C1F5}" type="datetimeFigureOut">
               <a:rPr lang="en-IN" smtClean="0"/>
-              <a:t>06-02-2021</a:t>
+              <a:t>09-02-2021</a:t>
             </a:fld>
             <a:endParaRPr lang="en-IN"/>
           </a:p>
@@ -1976,7 +1976,7 @@
           <a:p>
             <a:fld id="{BC6C7FB4-CB87-4969-9F31-8C66DD97C1F5}" type="datetimeFigureOut">
               <a:rPr lang="en-IN" smtClean="0"/>
-              <a:t>06-02-2021</a:t>
+              <a:t>09-02-2021</a:t>
             </a:fld>
             <a:endParaRPr lang="en-IN"/>
           </a:p>
@@ -2089,7 +2089,7 @@
           <a:p>
             <a:fld id="{BC6C7FB4-CB87-4969-9F31-8C66DD97C1F5}" type="datetimeFigureOut">
               <a:rPr lang="en-IN" smtClean="0"/>
-              <a:t>06-02-2021</a:t>
+              <a:t>09-02-2021</a:t>
             </a:fld>
             <a:endParaRPr lang="en-IN"/>
           </a:p>
@@ -2402,7 +2402,7 @@
           <a:p>
             <a:fld id="{BC6C7FB4-CB87-4969-9F31-8C66DD97C1F5}" type="datetimeFigureOut">
               <a:rPr lang="en-IN" smtClean="0"/>
-              <a:t>06-02-2021</a:t>
+              <a:t>09-02-2021</a:t>
             </a:fld>
             <a:endParaRPr lang="en-IN"/>
           </a:p>
@@ -2691,7 +2691,7 @@
           <a:p>
             <a:fld id="{BC6C7FB4-CB87-4969-9F31-8C66DD97C1F5}" type="datetimeFigureOut">
               <a:rPr lang="en-IN" smtClean="0"/>
-              <a:t>06-02-2021</a:t>
+              <a:t>09-02-2021</a:t>
             </a:fld>
             <a:endParaRPr lang="en-IN"/>
           </a:p>
@@ -2934,7 +2934,7 @@
           <a:p>
             <a:fld id="{BC6C7FB4-CB87-4969-9F31-8C66DD97C1F5}" type="datetimeFigureOut">
               <a:rPr lang="en-IN" smtClean="0"/>
-              <a:t>06-02-2021</a:t>
+              <a:t>09-02-2021</a:t>
             </a:fld>
             <a:endParaRPr lang="en-IN"/>
           </a:p>
@@ -3919,7 +3919,7 @@
         </p:spPr>
         <p:txBody>
           <a:bodyPr>
-            <a:normAutofit fontScale="92500" lnSpcReduction="20000"/>
+            <a:normAutofit fontScale="85000" lnSpcReduction="20000"/>
           </a:bodyPr>
           <a:lstStyle/>
           <a:p>
@@ -3931,13 +3931,13 @@
           <a:p>
             <a:r>
               <a:rPr lang="en-US" dirty="0"/>
-              <a:t>./grep –G,--basic_regexp | -E,--extended_regexp “PATTERN” “STRING”</a:t>
+              <a:t>./grep –G,--basic_regexp | -E,--extended_regexp | -F,--fixed-string “PATTERN” “STRING” </a:t>
             </a:r>
           </a:p>
           <a:p>
             <a:r>
               <a:rPr lang="en-US" dirty="0"/>
-              <a:t>| here stands for OR. Both –E and –G aren’t allowed</a:t>
+              <a:t>| here stands for OR. Both –E and –G and -F aren’t allowed</a:t>
             </a:r>
           </a:p>
           <a:p>

--- a/grep.pptx
+++ b/grep.pptx
@@ -10,6 +10,7 @@
     <p:sldId id="258" r:id="rId4"/>
     <p:sldId id="259" r:id="rId5"/>
     <p:sldId id="260" r:id="rId6"/>
+    <p:sldId id="261" r:id="rId7"/>
   </p:sldIdLst>
   <p:sldSz cx="12192000" cy="6858000"/>
   <p:notesSz cx="6858000" cy="9144000"/>
@@ -265,7 +266,7 @@
           <a:p>
             <a:fld id="{BC6C7FB4-CB87-4969-9F31-8C66DD97C1F5}" type="datetimeFigureOut">
               <a:rPr lang="en-IN" smtClean="0"/>
-              <a:t>09-02-2021</a:t>
+              <a:t>13-03-2021</a:t>
             </a:fld>
             <a:endParaRPr lang="en-IN"/>
           </a:p>
@@ -465,7 +466,7 @@
           <a:p>
             <a:fld id="{BC6C7FB4-CB87-4969-9F31-8C66DD97C1F5}" type="datetimeFigureOut">
               <a:rPr lang="en-IN" smtClean="0"/>
-              <a:t>09-02-2021</a:t>
+              <a:t>13-03-2021</a:t>
             </a:fld>
             <a:endParaRPr lang="en-IN"/>
           </a:p>
@@ -675,7 +676,7 @@
           <a:p>
             <a:fld id="{BC6C7FB4-CB87-4969-9F31-8C66DD97C1F5}" type="datetimeFigureOut">
               <a:rPr lang="en-IN" smtClean="0"/>
-              <a:t>09-02-2021</a:t>
+              <a:t>13-03-2021</a:t>
             </a:fld>
             <a:endParaRPr lang="en-IN"/>
           </a:p>
@@ -875,7 +876,7 @@
           <a:p>
             <a:fld id="{BC6C7FB4-CB87-4969-9F31-8C66DD97C1F5}" type="datetimeFigureOut">
               <a:rPr lang="en-IN" smtClean="0"/>
-              <a:t>09-02-2021</a:t>
+              <a:t>13-03-2021</a:t>
             </a:fld>
             <a:endParaRPr lang="en-IN"/>
           </a:p>
@@ -1151,7 +1152,7 @@
           <a:p>
             <a:fld id="{BC6C7FB4-CB87-4969-9F31-8C66DD97C1F5}" type="datetimeFigureOut">
               <a:rPr lang="en-IN" smtClean="0"/>
-              <a:t>09-02-2021</a:t>
+              <a:t>13-03-2021</a:t>
             </a:fld>
             <a:endParaRPr lang="en-IN"/>
           </a:p>
@@ -1419,7 +1420,7 @@
           <a:p>
             <a:fld id="{BC6C7FB4-CB87-4969-9F31-8C66DD97C1F5}" type="datetimeFigureOut">
               <a:rPr lang="en-IN" smtClean="0"/>
-              <a:t>09-02-2021</a:t>
+              <a:t>13-03-2021</a:t>
             </a:fld>
             <a:endParaRPr lang="en-IN"/>
           </a:p>
@@ -1834,7 +1835,7 @@
           <a:p>
             <a:fld id="{BC6C7FB4-CB87-4969-9F31-8C66DD97C1F5}" type="datetimeFigureOut">
               <a:rPr lang="en-IN" smtClean="0"/>
-              <a:t>09-02-2021</a:t>
+              <a:t>13-03-2021</a:t>
             </a:fld>
             <a:endParaRPr lang="en-IN"/>
           </a:p>
@@ -1976,7 +1977,7 @@
           <a:p>
             <a:fld id="{BC6C7FB4-CB87-4969-9F31-8C66DD97C1F5}" type="datetimeFigureOut">
               <a:rPr lang="en-IN" smtClean="0"/>
-              <a:t>09-02-2021</a:t>
+              <a:t>13-03-2021</a:t>
             </a:fld>
             <a:endParaRPr lang="en-IN"/>
           </a:p>
@@ -2089,7 +2090,7 @@
           <a:p>
             <a:fld id="{BC6C7FB4-CB87-4969-9F31-8C66DD97C1F5}" type="datetimeFigureOut">
               <a:rPr lang="en-IN" smtClean="0"/>
-              <a:t>09-02-2021</a:t>
+              <a:t>13-03-2021</a:t>
             </a:fld>
             <a:endParaRPr lang="en-IN"/>
           </a:p>
@@ -2402,7 +2403,7 @@
           <a:p>
             <a:fld id="{BC6C7FB4-CB87-4969-9F31-8C66DD97C1F5}" type="datetimeFigureOut">
               <a:rPr lang="en-IN" smtClean="0"/>
-              <a:t>09-02-2021</a:t>
+              <a:t>13-03-2021</a:t>
             </a:fld>
             <a:endParaRPr lang="en-IN"/>
           </a:p>
@@ -2691,7 +2692,7 @@
           <a:p>
             <a:fld id="{BC6C7FB4-CB87-4969-9F31-8C66DD97C1F5}" type="datetimeFigureOut">
               <a:rPr lang="en-IN" smtClean="0"/>
-              <a:t>09-02-2021</a:t>
+              <a:t>13-03-2021</a:t>
             </a:fld>
             <a:endParaRPr lang="en-IN"/>
           </a:p>
@@ -2934,7 +2935,7 @@
           <a:p>
             <a:fld id="{BC6C7FB4-CB87-4969-9F31-8C66DD97C1F5}" type="datetimeFigureOut">
               <a:rPr lang="en-IN" smtClean="0"/>
-              <a:t>09-02-2021</a:t>
+              <a:t>13-03-2021</a:t>
             </a:fld>
             <a:endParaRPr lang="en-IN"/>
           </a:p>
@@ -4010,6 +4011,104 @@
 </p:sld>
 </file>
 
+<file path=ppt/slides/slide6.xml><?xml version="1.0" encoding="utf-8"?>
+<p:sld xmlns:a="http://schemas.openxmlformats.org/drawingml/2006/main" xmlns:r="http://schemas.openxmlformats.org/officeDocument/2006/relationships" xmlns:p="http://schemas.openxmlformats.org/presentationml/2006/main">
+  <p:cSld>
+    <p:spTree>
+      <p:nvGrpSpPr>
+        <p:cNvPr id="1" name=""/>
+        <p:cNvGrpSpPr/>
+        <p:nvPr/>
+      </p:nvGrpSpPr>
+      <p:grpSpPr>
+        <a:xfrm>
+          <a:off x="0" y="0"/>
+          <a:ext cx="0" cy="0"/>
+          <a:chOff x="0" y="0"/>
+          <a:chExt cx="0" cy="0"/>
+        </a:xfrm>
+      </p:grpSpPr>
+      <p:sp>
+        <p:nvSpPr>
+          <p:cNvPr id="2" name="Title 1">
+            <a:extLst>
+              <a:ext uri="{FF2B5EF4-FFF2-40B4-BE49-F238E27FC236}">
+                <a16:creationId xmlns:a16="http://schemas.microsoft.com/office/drawing/2014/main" id="{3EB49B62-96B1-49AB-B83C-55A8C3105BFA}"/>
+              </a:ext>
+            </a:extLst>
+          </p:cNvPr>
+          <p:cNvSpPr>
+            <a:spLocks noGrp="1"/>
+          </p:cNvSpPr>
+          <p:nvPr>
+            <p:ph type="title"/>
+          </p:nvPr>
+        </p:nvSpPr>
+        <p:spPr/>
+        <p:txBody>
+          <a:bodyPr/>
+          <a:lstStyle/>
+          <a:p>
+            <a:r>
+              <a:rPr lang="en-US" dirty="0"/>
+              <a:t>Task-3</a:t>
+            </a:r>
+            <a:endParaRPr lang="en-IN" dirty="0"/>
+          </a:p>
+        </p:txBody>
+      </p:sp>
+      <p:sp>
+        <p:nvSpPr>
+          <p:cNvPr id="3" name="Content Placeholder 2">
+            <a:extLst>
+              <a:ext uri="{FF2B5EF4-FFF2-40B4-BE49-F238E27FC236}">
+                <a16:creationId xmlns:a16="http://schemas.microsoft.com/office/drawing/2014/main" id="{DA6BB792-1CC5-4400-9332-FBDBACCF5A78}"/>
+              </a:ext>
+            </a:extLst>
+          </p:cNvPr>
+          <p:cNvSpPr>
+            <a:spLocks noGrp="1"/>
+          </p:cNvSpPr>
+          <p:nvPr>
+            <p:ph idx="1"/>
+          </p:nvPr>
+        </p:nvSpPr>
+        <p:spPr/>
+        <p:txBody>
+          <a:bodyPr/>
+          <a:lstStyle/>
+          <a:p>
+            <a:r>
+              <a:rPr lang="en-US" dirty="0"/>
+              <a:t>File handling</a:t>
+            </a:r>
+          </a:p>
+          <a:p>
+            <a:r>
+              <a:rPr lang="en-US" dirty="0"/>
+              <a:t>./grep FLAGS “PATTERN</a:t>
+            </a:r>
+            <a:r>
+              <a:rPr lang="en-US"/>
+              <a:t>” &lt;filename&gt;</a:t>
+            </a:r>
+            <a:endParaRPr lang="en-IN" dirty="0"/>
+          </a:p>
+        </p:txBody>
+      </p:sp>
+    </p:spTree>
+    <p:extLst>
+      <p:ext uri="{BB962C8B-B14F-4D97-AF65-F5344CB8AC3E}">
+        <p14:creationId xmlns:p14="http://schemas.microsoft.com/office/powerpoint/2010/main" val="1118182264"/>
+      </p:ext>
+    </p:extLst>
+  </p:cSld>
+  <p:clrMapOvr>
+    <a:masterClrMapping/>
+  </p:clrMapOvr>
+</p:sld>
+</file>
+
 <file path=ppt/theme/theme1.xml><?xml version="1.0" encoding="utf-8"?>
 <a:theme xmlns:a="http://schemas.openxmlformats.org/drawingml/2006/main" name="Office Theme">
   <a:themeElements>

--- a/grep.pptx
+++ b/grep.pptx
@@ -11,6 +11,7 @@
     <p:sldId id="259" r:id="rId5"/>
     <p:sldId id="260" r:id="rId6"/>
     <p:sldId id="261" r:id="rId7"/>
+    <p:sldId id="262" r:id="rId8"/>
   </p:sldIdLst>
   <p:sldSz cx="12192000" cy="6858000"/>
   <p:notesSz cx="6858000" cy="9144000"/>
@@ -266,7 +267,7 @@
           <a:p>
             <a:fld id="{BC6C7FB4-CB87-4969-9F31-8C66DD97C1F5}" type="datetimeFigureOut">
               <a:rPr lang="en-IN" smtClean="0"/>
-              <a:t>13-03-2021</a:t>
+              <a:t>07-04-2021</a:t>
             </a:fld>
             <a:endParaRPr lang="en-IN"/>
           </a:p>
@@ -466,7 +467,7 @@
           <a:p>
             <a:fld id="{BC6C7FB4-CB87-4969-9F31-8C66DD97C1F5}" type="datetimeFigureOut">
               <a:rPr lang="en-IN" smtClean="0"/>
-              <a:t>13-03-2021</a:t>
+              <a:t>07-04-2021</a:t>
             </a:fld>
             <a:endParaRPr lang="en-IN"/>
           </a:p>
@@ -676,7 +677,7 @@
           <a:p>
             <a:fld id="{BC6C7FB4-CB87-4969-9F31-8C66DD97C1F5}" type="datetimeFigureOut">
               <a:rPr lang="en-IN" smtClean="0"/>
-              <a:t>13-03-2021</a:t>
+              <a:t>07-04-2021</a:t>
             </a:fld>
             <a:endParaRPr lang="en-IN"/>
           </a:p>
@@ -876,7 +877,7 @@
           <a:p>
             <a:fld id="{BC6C7FB4-CB87-4969-9F31-8C66DD97C1F5}" type="datetimeFigureOut">
               <a:rPr lang="en-IN" smtClean="0"/>
-              <a:t>13-03-2021</a:t>
+              <a:t>07-04-2021</a:t>
             </a:fld>
             <a:endParaRPr lang="en-IN"/>
           </a:p>
@@ -1152,7 +1153,7 @@
           <a:p>
             <a:fld id="{BC6C7FB4-CB87-4969-9F31-8C66DD97C1F5}" type="datetimeFigureOut">
               <a:rPr lang="en-IN" smtClean="0"/>
-              <a:t>13-03-2021</a:t>
+              <a:t>07-04-2021</a:t>
             </a:fld>
             <a:endParaRPr lang="en-IN"/>
           </a:p>
@@ -1420,7 +1421,7 @@
           <a:p>
             <a:fld id="{BC6C7FB4-CB87-4969-9F31-8C66DD97C1F5}" type="datetimeFigureOut">
               <a:rPr lang="en-IN" smtClean="0"/>
-              <a:t>13-03-2021</a:t>
+              <a:t>07-04-2021</a:t>
             </a:fld>
             <a:endParaRPr lang="en-IN"/>
           </a:p>
@@ -1835,7 +1836,7 @@
           <a:p>
             <a:fld id="{BC6C7FB4-CB87-4969-9F31-8C66DD97C1F5}" type="datetimeFigureOut">
               <a:rPr lang="en-IN" smtClean="0"/>
-              <a:t>13-03-2021</a:t>
+              <a:t>07-04-2021</a:t>
             </a:fld>
             <a:endParaRPr lang="en-IN"/>
           </a:p>
@@ -1977,7 +1978,7 @@
           <a:p>
             <a:fld id="{BC6C7FB4-CB87-4969-9F31-8C66DD97C1F5}" type="datetimeFigureOut">
               <a:rPr lang="en-IN" smtClean="0"/>
-              <a:t>13-03-2021</a:t>
+              <a:t>07-04-2021</a:t>
             </a:fld>
             <a:endParaRPr lang="en-IN"/>
           </a:p>
@@ -2090,7 +2091,7 @@
           <a:p>
             <a:fld id="{BC6C7FB4-CB87-4969-9F31-8C66DD97C1F5}" type="datetimeFigureOut">
               <a:rPr lang="en-IN" smtClean="0"/>
-              <a:t>13-03-2021</a:t>
+              <a:t>07-04-2021</a:t>
             </a:fld>
             <a:endParaRPr lang="en-IN"/>
           </a:p>
@@ -2403,7 +2404,7 @@
           <a:p>
             <a:fld id="{BC6C7FB4-CB87-4969-9F31-8C66DD97C1F5}" type="datetimeFigureOut">
               <a:rPr lang="en-IN" smtClean="0"/>
-              <a:t>13-03-2021</a:t>
+              <a:t>07-04-2021</a:t>
             </a:fld>
             <a:endParaRPr lang="en-IN"/>
           </a:p>
@@ -2692,7 +2693,7 @@
           <a:p>
             <a:fld id="{BC6C7FB4-CB87-4969-9F31-8C66DD97C1F5}" type="datetimeFigureOut">
               <a:rPr lang="en-IN" smtClean="0"/>
-              <a:t>13-03-2021</a:t>
+              <a:t>07-04-2021</a:t>
             </a:fld>
             <a:endParaRPr lang="en-IN"/>
           </a:p>
@@ -2935,7 +2936,7 @@
           <a:p>
             <a:fld id="{BC6C7FB4-CB87-4969-9F31-8C66DD97C1F5}" type="datetimeFigureOut">
               <a:rPr lang="en-IN" smtClean="0"/>
-              <a:t>13-03-2021</a:t>
+              <a:t>07-04-2021</a:t>
             </a:fld>
             <a:endParaRPr lang="en-IN"/>
           </a:p>
@@ -4080,17 +4081,55 @@
           <a:p>
             <a:r>
               <a:rPr lang="en-US" dirty="0"/>
-              <a:t>File handling</a:t>
-            </a:r>
-          </a:p>
-          <a:p>
-            <a:r>
-              <a:rPr lang="en-US" dirty="0"/>
-              <a:t>./grep FLAGS “PATTERN</a:t>
-            </a:r>
-            <a:r>
-              <a:rPr lang="en-US"/>
-              <a:t>” &lt;filename&gt;</a:t>
+              <a:t>File handling, glob(), </a:t>
+            </a:r>
+          </a:p>
+          <a:p>
+            <a:r>
+              <a:rPr lang="en-US" dirty="0"/>
+              <a:t>./grep FLAGS “PATTERN” &lt;filename&gt; (filename of ‘–’ indicates stdin)</a:t>
+            </a:r>
+          </a:p>
+          <a:p>
+            <a:r>
+              <a:rPr lang="en-US" dirty="0"/>
+              <a:t>./grep FLAGS “PATTERN” &lt;file1&gt; &lt;file2&gt; …. &lt;</a:t>
+            </a:r>
+            <a:r>
+              <a:rPr lang="en-US" dirty="0" err="1"/>
+              <a:t>filen</a:t>
+            </a:r>
+            <a:r>
+              <a:rPr lang="en-US" dirty="0"/>
+              <a:t>&gt;</a:t>
+            </a:r>
+          </a:p>
+          <a:p>
+            <a:r>
+              <a:rPr lang="en-US" dirty="0"/>
+              <a:t>./grep FLAGS “PATTERN” *.c *.txt</a:t>
+            </a:r>
+          </a:p>
+          <a:p>
+            <a:r>
+              <a:rPr lang="en-US" dirty="0"/>
+              <a:t>./grep FLAGS “PATTERN” …(As no file is mentioned, take input from stdin)</a:t>
+            </a:r>
+          </a:p>
+          <a:p>
+            <a:r>
+              <a:rPr lang="en-US" dirty="0"/>
+              <a:t>./grep –r  … (Recursive subdirectory searching)</a:t>
+            </a:r>
+          </a:p>
+          <a:p>
+            <a:r>
+              <a:rPr lang="en-US" dirty="0"/>
+              <a:t>-r </a:t>
+            </a:r>
+            <a:r>
+              <a:rPr lang="en-US"/>
+              <a:t>or –recursive can be used</a:t>
             </a:r>
             <a:endParaRPr lang="en-IN" dirty="0"/>
           </a:p>
@@ -4100,6 +4139,110 @@
     <p:extLst>
       <p:ext uri="{BB962C8B-B14F-4D97-AF65-F5344CB8AC3E}">
         <p14:creationId xmlns:p14="http://schemas.microsoft.com/office/powerpoint/2010/main" val="1118182264"/>
+      </p:ext>
+    </p:extLst>
+  </p:cSld>
+  <p:clrMapOvr>
+    <a:masterClrMapping/>
+  </p:clrMapOvr>
+</p:sld>
+</file>
+
+<file path=ppt/slides/slide7.xml><?xml version="1.0" encoding="utf-8"?>
+<p:sld xmlns:a="http://schemas.openxmlformats.org/drawingml/2006/main" xmlns:r="http://schemas.openxmlformats.org/officeDocument/2006/relationships" xmlns:p="http://schemas.openxmlformats.org/presentationml/2006/main">
+  <p:cSld>
+    <p:spTree>
+      <p:nvGrpSpPr>
+        <p:cNvPr id="1" name=""/>
+        <p:cNvGrpSpPr/>
+        <p:nvPr/>
+      </p:nvGrpSpPr>
+      <p:grpSpPr>
+        <a:xfrm>
+          <a:off x="0" y="0"/>
+          <a:ext cx="0" cy="0"/>
+          <a:chOff x="0" y="0"/>
+          <a:chExt cx="0" cy="0"/>
+        </a:xfrm>
+      </p:grpSpPr>
+      <p:sp>
+        <p:nvSpPr>
+          <p:cNvPr id="2" name="Title 1">
+            <a:extLst>
+              <a:ext uri="{FF2B5EF4-FFF2-40B4-BE49-F238E27FC236}">
+                <a16:creationId xmlns:a16="http://schemas.microsoft.com/office/drawing/2014/main" id="{47AEA91A-6E07-4245-A52A-334B8FC41FC9}"/>
+              </a:ext>
+            </a:extLst>
+          </p:cNvPr>
+          <p:cNvSpPr>
+            <a:spLocks noGrp="1"/>
+          </p:cNvSpPr>
+          <p:nvPr>
+            <p:ph type="title"/>
+          </p:nvPr>
+        </p:nvSpPr>
+        <p:spPr/>
+        <p:txBody>
+          <a:bodyPr/>
+          <a:lstStyle/>
+          <a:p>
+            <a:r>
+              <a:rPr lang="en-US" dirty="0"/>
+              <a:t>Task-4</a:t>
+            </a:r>
+            <a:endParaRPr lang="en-IN" dirty="0"/>
+          </a:p>
+        </p:txBody>
+      </p:sp>
+      <p:sp>
+        <p:nvSpPr>
+          <p:cNvPr id="3" name="Content Placeholder 2">
+            <a:extLst>
+              <a:ext uri="{FF2B5EF4-FFF2-40B4-BE49-F238E27FC236}">
+                <a16:creationId xmlns:a16="http://schemas.microsoft.com/office/drawing/2014/main" id="{00F86A08-4540-413D-8308-7059B16BD67C}"/>
+              </a:ext>
+            </a:extLst>
+          </p:cNvPr>
+          <p:cNvSpPr>
+            <a:spLocks noGrp="1"/>
+          </p:cNvSpPr>
+          <p:nvPr>
+            <p:ph idx="1"/>
+          </p:nvPr>
+        </p:nvSpPr>
+        <p:spPr/>
+        <p:txBody>
+          <a:bodyPr/>
+          <a:lstStyle/>
+          <a:p>
+            <a:r>
+              <a:rPr lang="en-US" dirty="0"/>
+              <a:t>Flags : 1. -n | --line-number</a:t>
+            </a:r>
+          </a:p>
+          <a:p>
+            <a:r>
+              <a:rPr lang="en-US" dirty="0"/>
+              <a:t> 2. -l | --files-with-matched</a:t>
+            </a:r>
+          </a:p>
+          <a:p>
+            <a:r>
+              <a:rPr lang="en-US" dirty="0"/>
+              <a:t>3. –w | --word-</a:t>
+            </a:r>
+            <a:r>
+              <a:rPr lang="en-US" dirty="0" err="1"/>
+              <a:t>regexp</a:t>
+            </a:r>
+            <a:endParaRPr lang="en-IN" dirty="0"/>
+          </a:p>
+        </p:txBody>
+      </p:sp>
+    </p:spTree>
+    <p:extLst>
+      <p:ext uri="{BB962C8B-B14F-4D97-AF65-F5344CB8AC3E}">
+        <p14:creationId xmlns:p14="http://schemas.microsoft.com/office/powerpoint/2010/main" val="3072864565"/>
       </p:ext>
     </p:extLst>
   </p:cSld>

--- a/grep.pptx
+++ b/grep.pptx
@@ -267,7 +267,7 @@
           <a:p>
             <a:fld id="{BC6C7FB4-CB87-4969-9F31-8C66DD97C1F5}" type="datetimeFigureOut">
               <a:rPr lang="en-IN" smtClean="0"/>
-              <a:t>07-04-2021</a:t>
+              <a:t>11-04-2021</a:t>
             </a:fld>
             <a:endParaRPr lang="en-IN"/>
           </a:p>
@@ -467,7 +467,7 @@
           <a:p>
             <a:fld id="{BC6C7FB4-CB87-4969-9F31-8C66DD97C1F5}" type="datetimeFigureOut">
               <a:rPr lang="en-IN" smtClean="0"/>
-              <a:t>07-04-2021</a:t>
+              <a:t>11-04-2021</a:t>
             </a:fld>
             <a:endParaRPr lang="en-IN"/>
           </a:p>
@@ -677,7 +677,7 @@
           <a:p>
             <a:fld id="{BC6C7FB4-CB87-4969-9F31-8C66DD97C1F5}" type="datetimeFigureOut">
               <a:rPr lang="en-IN" smtClean="0"/>
-              <a:t>07-04-2021</a:t>
+              <a:t>11-04-2021</a:t>
             </a:fld>
             <a:endParaRPr lang="en-IN"/>
           </a:p>
@@ -877,7 +877,7 @@
           <a:p>
             <a:fld id="{BC6C7FB4-CB87-4969-9F31-8C66DD97C1F5}" type="datetimeFigureOut">
               <a:rPr lang="en-IN" smtClean="0"/>
-              <a:t>07-04-2021</a:t>
+              <a:t>11-04-2021</a:t>
             </a:fld>
             <a:endParaRPr lang="en-IN"/>
           </a:p>
@@ -1153,7 +1153,7 @@
           <a:p>
             <a:fld id="{BC6C7FB4-CB87-4969-9F31-8C66DD97C1F5}" type="datetimeFigureOut">
               <a:rPr lang="en-IN" smtClean="0"/>
-              <a:t>07-04-2021</a:t>
+              <a:t>11-04-2021</a:t>
             </a:fld>
             <a:endParaRPr lang="en-IN"/>
           </a:p>
@@ -1421,7 +1421,7 @@
           <a:p>
             <a:fld id="{BC6C7FB4-CB87-4969-9F31-8C66DD97C1F5}" type="datetimeFigureOut">
               <a:rPr lang="en-IN" smtClean="0"/>
-              <a:t>07-04-2021</a:t>
+              <a:t>11-04-2021</a:t>
             </a:fld>
             <a:endParaRPr lang="en-IN"/>
           </a:p>
@@ -1836,7 +1836,7 @@
           <a:p>
             <a:fld id="{BC6C7FB4-CB87-4969-9F31-8C66DD97C1F5}" type="datetimeFigureOut">
               <a:rPr lang="en-IN" smtClean="0"/>
-              <a:t>07-04-2021</a:t>
+              <a:t>11-04-2021</a:t>
             </a:fld>
             <a:endParaRPr lang="en-IN"/>
           </a:p>
@@ -1978,7 +1978,7 @@
           <a:p>
             <a:fld id="{BC6C7FB4-CB87-4969-9F31-8C66DD97C1F5}" type="datetimeFigureOut">
               <a:rPr lang="en-IN" smtClean="0"/>
-              <a:t>07-04-2021</a:t>
+              <a:t>11-04-2021</a:t>
             </a:fld>
             <a:endParaRPr lang="en-IN"/>
           </a:p>
@@ -2091,7 +2091,7 @@
           <a:p>
             <a:fld id="{BC6C7FB4-CB87-4969-9F31-8C66DD97C1F5}" type="datetimeFigureOut">
               <a:rPr lang="en-IN" smtClean="0"/>
-              <a:t>07-04-2021</a:t>
+              <a:t>11-04-2021</a:t>
             </a:fld>
             <a:endParaRPr lang="en-IN"/>
           </a:p>
@@ -2404,7 +2404,7 @@
           <a:p>
             <a:fld id="{BC6C7FB4-CB87-4969-9F31-8C66DD97C1F5}" type="datetimeFigureOut">
               <a:rPr lang="en-IN" smtClean="0"/>
-              <a:t>07-04-2021</a:t>
+              <a:t>11-04-2021</a:t>
             </a:fld>
             <a:endParaRPr lang="en-IN"/>
           </a:p>
@@ -2693,7 +2693,7 @@
           <a:p>
             <a:fld id="{BC6C7FB4-CB87-4969-9F31-8C66DD97C1F5}" type="datetimeFigureOut">
               <a:rPr lang="en-IN" smtClean="0"/>
-              <a:t>07-04-2021</a:t>
+              <a:t>11-04-2021</a:t>
             </a:fld>
             <a:endParaRPr lang="en-IN"/>
           </a:p>
@@ -2936,7 +2936,7 @@
           <a:p>
             <a:fld id="{BC6C7FB4-CB87-4969-9F31-8C66DD97C1F5}" type="datetimeFigureOut">
               <a:rPr lang="en-IN" smtClean="0"/>
-              <a:t>07-04-2021</a:t>
+              <a:t>11-04-2021</a:t>
             </a:fld>
             <a:endParaRPr lang="en-IN"/>
           </a:p>
@@ -4223,7 +4223,7 @@
           <a:p>
             <a:r>
               <a:rPr lang="en-US" dirty="0"/>
-              <a:t> 2. -l | --files-with-matched</a:t>
+              <a:t> 2. -l | --files-with-matches</a:t>
             </a:r>
           </a:p>
           <a:p>
@@ -4235,6 +4235,41 @@
               <a:rPr lang="en-US" dirty="0" err="1"/>
               <a:t>regexp</a:t>
             </a:r>
+            <a:endParaRPr lang="en-US" dirty="0"/>
+          </a:p>
+          <a:p>
+            <a:r>
+              <a:rPr lang="en-US" dirty="0"/>
+              <a:t>4. –x | --line-</a:t>
+            </a:r>
+            <a:r>
+              <a:rPr lang="en-US" dirty="0" err="1"/>
+              <a:t>regexp</a:t>
+            </a:r>
+            <a:endParaRPr lang="en-US" dirty="0"/>
+          </a:p>
+          <a:p>
+            <a:r>
+              <a:rPr lang="en-US" dirty="0"/>
+              <a:t>5. –v | --invert-match</a:t>
+            </a:r>
+          </a:p>
+          <a:p>
+            <a:r>
+              <a:rPr lang="en-US" dirty="0"/>
+              <a:t>6. –L | --files-without-match</a:t>
+            </a:r>
+          </a:p>
+          <a:p>
+            <a:r>
+              <a:rPr lang="en-US" dirty="0"/>
+              <a:t>7. –c | --count</a:t>
+            </a:r>
+          </a:p>
+          <a:p>
+            <a:pPr marL="0" indent="0">
+              <a:buNone/>
+            </a:pPr>
             <a:endParaRPr lang="en-IN" dirty="0"/>
           </a:p>
         </p:txBody>
